--- a/ERPresentacion.pptx
+++ b/ERPresentacion.pptx
@@ -114,6 +114,11 @@
       </a:defRPr>
     </a:lvl9pPr>
   </p:defaultTextStyle>
+  <p:extLst>
+    <p:ext uri="{EFAFB233-063F-42B5-8137-9DF3F51BA10A}">
+      <p15:sldGuideLst xmlns:p15="http://schemas.microsoft.com/office/powerpoint/2012/main"/>
+    </p:ext>
+  </p:extLst>
 </p:presentation>
 </file>
 
@@ -6017,6 +6022,29 @@
           <a:chExt cx="0" cy="0"/>
         </a:xfrm>
       </p:grpSpPr>
+      <p:pic>
+        <p:nvPicPr>
+          <p:cNvPr id="105" name="Imagen 104"/>
+          <p:cNvPicPr/>
+          <p:nvPr/>
+        </p:nvPicPr>
+        <p:blipFill>
+          <a:blip r:embed="rId2"/>
+          <a:stretch/>
+        </p:blipFill>
+        <p:spPr>
+          <a:xfrm>
+            <a:off x="4658258" y="5995971"/>
+            <a:ext cx="1560079" cy="1409386"/>
+          </a:xfrm>
+          <a:prstGeom prst="rect">
+            <a:avLst/>
+          </a:prstGeom>
+          <a:ln w="21600">
+            <a:noFill/>
+          </a:ln>
+        </p:spPr>
+      </p:pic>
       <p:sp>
         <p:nvSpPr>
           <p:cNvPr id="100" name="TextShape 1"/>
@@ -6511,13 +6539,13 @@
           <p:nvPr/>
         </p:nvPicPr>
         <p:blipFill>
-          <a:blip r:embed="rId2"/>
+          <a:blip r:embed="rId3"/>
           <a:stretch/>
         </p:blipFill>
         <p:spPr>
           <a:xfrm>
-            <a:off x="1020050" y="6050242"/>
-            <a:ext cx="1291496" cy="1215196"/>
+            <a:off x="1020050" y="6159978"/>
+            <a:ext cx="1381690" cy="1143607"/>
           </a:xfrm>
           <a:prstGeom prst="rect">
             <a:avLst/>
@@ -6534,36 +6562,13 @@
           <p:nvPr/>
         </p:nvPicPr>
         <p:blipFill>
-          <a:blip r:embed="rId3"/>
-          <a:stretch/>
-        </p:blipFill>
-        <p:spPr>
-          <a:xfrm>
-            <a:off x="2623500" y="5894200"/>
-            <a:ext cx="1904760" cy="1409385"/>
-          </a:xfrm>
-          <a:prstGeom prst="rect">
-            <a:avLst/>
-          </a:prstGeom>
-          <a:ln w="21600">
-            <a:noFill/>
-          </a:ln>
-        </p:spPr>
-      </p:pic>
-      <p:pic>
-        <p:nvPicPr>
-          <p:cNvPr id="105" name="Imagen 104"/>
-          <p:cNvPicPr/>
-          <p:nvPr/>
-        </p:nvPicPr>
-        <p:blipFill>
           <a:blip r:embed="rId4"/>
           <a:stretch/>
         </p:blipFill>
         <p:spPr>
           <a:xfrm>
-            <a:off x="4839158" y="5792427"/>
-            <a:ext cx="1651841" cy="1612930"/>
+            <a:off x="2623500" y="5995971"/>
+            <a:ext cx="1812998" cy="1307614"/>
           </a:xfrm>
           <a:prstGeom prst="rect">
             <a:avLst/>
@@ -6602,7 +6607,7 @@
         </p:blipFill>
         <p:spPr bwMode="auto">
           <a:xfrm>
-            <a:off x="6801897" y="5851375"/>
+            <a:off x="6218337" y="5995971"/>
             <a:ext cx="1612930" cy="1612930"/>
           </a:xfrm>
           <a:prstGeom prst="rect">

--- a/ERPresentacion.pptx
+++ b/ERPresentacion.pptx
@@ -4547,12 +4547,14 @@
       </p:grpSpPr>
       <p:pic>
         <p:nvPicPr>
-          <p:cNvPr id="109" name="Imagen 108"/>
+          <p:cNvPr id="109" name="Imagen 108">
+            <a:hlinkClick r:id="rId2"/>
+          </p:cNvPr>
           <p:cNvPicPr/>
           <p:nvPr/>
         </p:nvPicPr>
         <p:blipFill>
-          <a:blip r:embed="rId2"/>
+          <a:blip r:embed="rId3"/>
           <a:stretch/>
         </p:blipFill>
         <p:spPr>
@@ -4594,7 +4596,7 @@
             </a:pPr>
             <a:r>
               <a:rPr lang="es-ES" dirty="0">
-                <a:hlinkClick r:id="rId3"/>
+                <a:hlinkClick r:id="rId4"/>
               </a:rPr>
               <a:t>Link a la documentación de la API</a:t>
             </a:r>
